--- a/Semantic Edge Detection.pptx
+++ b/Semantic Edge Detection.pptx
@@ -18911,8 +18911,8 @@
           </a:p>
         </p:txBody>
       </p:sp>
-      <mc:AlternateContent xmlns:mc="http://schemas.openxmlformats.org/markup-compatibility/2006">
-        <mc:Choice xmlns:a14="http://schemas.microsoft.com/office/drawing/2010/main" Requires="a14">
+      <mc:AlternateContent xmlns:mc="http://schemas.openxmlformats.org/markup-compatibility/2006" xmlns:a14="http://schemas.microsoft.com/office/drawing/2010/main">
+        <mc:Choice Requires="a14">
           <p:sp>
             <p:nvSpPr>
               <p:cNvPr id="7" name="Google Shape;284;p14">
@@ -19437,7 +19437,7 @@
             </p:txBody>
           </p:sp>
         </mc:Choice>
-        <mc:Fallback>
+        <mc:Fallback xmlns="">
           <p:sp>
             <p:nvSpPr>
               <p:cNvPr id="7" name="Google Shape;284;p14">
@@ -19649,8 +19649,8 @@
           <a:chExt cx="0" cy="0"/>
         </a:xfrm>
       </p:grpSpPr>
-      <mc:AlternateContent xmlns:mc="http://schemas.openxmlformats.org/markup-compatibility/2006">
-        <mc:Choice xmlns:a14="http://schemas.microsoft.com/office/drawing/2010/main" Requires="a14">
+      <mc:AlternateContent xmlns:mc="http://schemas.openxmlformats.org/markup-compatibility/2006" xmlns:a14="http://schemas.microsoft.com/office/drawing/2010/main">
+        <mc:Choice Requires="a14">
           <p:sp>
             <p:nvSpPr>
               <p:cNvPr id="284" name="Google Shape;284;p14"/>
@@ -19810,7 +19810,7 @@
             </p:txBody>
           </p:sp>
         </mc:Choice>
-        <mc:Fallback>
+        <mc:Fallback xmlns="">
           <p:sp>
             <p:nvSpPr>
               <p:cNvPr id="284" name="Google Shape;284;p14"/>
@@ -19921,8 +19921,8 @@
           <a:chExt cx="0" cy="0"/>
         </a:xfrm>
       </p:grpSpPr>
-      <mc:AlternateContent xmlns:mc="http://schemas.openxmlformats.org/markup-compatibility/2006">
-        <mc:Choice xmlns:a14="http://schemas.microsoft.com/office/drawing/2010/main" Requires="a14">
+      <mc:AlternateContent xmlns:mc="http://schemas.openxmlformats.org/markup-compatibility/2006" xmlns:a14="http://schemas.microsoft.com/office/drawing/2010/main">
+        <mc:Choice Requires="a14">
           <p:sp>
             <p:nvSpPr>
               <p:cNvPr id="284" name="Google Shape;284;p14"/>
@@ -20050,7 +20050,7 @@
             </p:txBody>
           </p:sp>
         </mc:Choice>
-        <mc:Fallback>
+        <mc:Fallback xmlns="">
           <p:sp>
             <p:nvSpPr>
               <p:cNvPr id="284" name="Google Shape;284;p14"/>
@@ -20296,8 +20296,8 @@
           <a:chExt cx="0" cy="0"/>
         </a:xfrm>
       </p:grpSpPr>
-      <mc:AlternateContent xmlns:mc="http://schemas.openxmlformats.org/markup-compatibility/2006">
-        <mc:Choice xmlns:a14="http://schemas.microsoft.com/office/drawing/2010/main" Requires="a14">
+      <mc:AlternateContent xmlns:mc="http://schemas.openxmlformats.org/markup-compatibility/2006" xmlns:a14="http://schemas.microsoft.com/office/drawing/2010/main">
+        <mc:Choice Requires="a14">
           <p:sp>
             <p:nvSpPr>
               <p:cNvPr id="284" name="Google Shape;284;p14"/>
@@ -20338,7 +20338,7 @@
                     <m:sSub>
                       <m:sSubPr>
                         <m:ctrlPr>
-                          <a:rPr lang="en-US" sz="2000" b="0" i="0" smtClean="0">
+                          <a:rPr lang="en-US" sz="2000" b="0" i="1" smtClean="0">
                             <a:latin typeface="Cambria Math" panose="02040503050406030204" pitchFamily="18" charset="0"/>
                             <a:cs typeface="Calibri" panose="020F0502020204030204" pitchFamily="34" charset="0"/>
                           </a:rPr>
@@ -20376,7 +20376,7 @@
                     <m:sSub>
                       <m:sSubPr>
                         <m:ctrlPr>
-                          <a:rPr lang="en-US" sz="2000" b="0" i="0" smtClean="0">
+                          <a:rPr lang="en-US" sz="2000" b="0" i="1" smtClean="0">
                             <a:latin typeface="Cambria Math" panose="02040503050406030204" pitchFamily="18" charset="0"/>
                             <a:cs typeface="Calibri" panose="020F0502020204030204" pitchFamily="34" charset="0"/>
                           </a:rPr>
@@ -20857,7 +20857,7 @@
             </p:txBody>
           </p:sp>
         </mc:Choice>
-        <mc:Fallback>
+        <mc:Fallback xmlns="">
           <p:sp>
             <p:nvSpPr>
               <p:cNvPr id="284" name="Google Shape;284;p14"/>
@@ -21499,8 +21499,8 @@
           <a:chExt cx="0" cy="0"/>
         </a:xfrm>
       </p:grpSpPr>
-      <mc:AlternateContent xmlns:mc="http://schemas.openxmlformats.org/markup-compatibility/2006">
-        <mc:Choice xmlns:a14="http://schemas.microsoft.com/office/drawing/2010/main" Requires="a14">
+      <mc:AlternateContent xmlns:mc="http://schemas.openxmlformats.org/markup-compatibility/2006" xmlns:a14="http://schemas.microsoft.com/office/drawing/2010/main">
+        <mc:Choice Requires="a14">
           <p:sp>
             <p:nvSpPr>
               <p:cNvPr id="284" name="Google Shape;284;p14"/>
@@ -21935,7 +21935,7 @@
             </p:txBody>
           </p:sp>
         </mc:Choice>
-        <mc:Fallback>
+        <mc:Fallback xmlns="">
           <p:sp>
             <p:nvSpPr>
               <p:cNvPr id="284" name="Google Shape;284;p14"/>
@@ -22208,8 +22208,8 @@
           <a:chExt cx="0" cy="0"/>
         </a:xfrm>
       </p:grpSpPr>
-      <mc:AlternateContent xmlns:mc="http://schemas.openxmlformats.org/markup-compatibility/2006">
-        <mc:Choice xmlns:a14="http://schemas.microsoft.com/office/drawing/2010/main" Requires="a14">
+      <mc:AlternateContent xmlns:mc="http://schemas.openxmlformats.org/markup-compatibility/2006" xmlns:a14="http://schemas.microsoft.com/office/drawing/2010/main">
+        <mc:Choice Requires="a14">
           <p:sp>
             <p:nvSpPr>
               <p:cNvPr id="284" name="Google Shape;284;p14"/>
@@ -23014,7 +23014,7 @@
             </p:txBody>
           </p:sp>
         </mc:Choice>
-        <mc:Fallback>
+        <mc:Fallback xmlns="">
           <p:sp>
             <p:nvSpPr>
               <p:cNvPr id="284" name="Google Shape;284;p14"/>
@@ -23085,8 +23085,8 @@
           <a:chExt cx="0" cy="0"/>
         </a:xfrm>
       </p:grpSpPr>
-      <mc:AlternateContent xmlns:mc="http://schemas.openxmlformats.org/markup-compatibility/2006">
-        <mc:Choice xmlns:a14="http://schemas.microsoft.com/office/drawing/2010/main" Requires="a14">
+      <mc:AlternateContent xmlns:mc="http://schemas.openxmlformats.org/markup-compatibility/2006" xmlns:a14="http://schemas.microsoft.com/office/drawing/2010/main">
+        <mc:Choice Requires="a14">
           <p:sp>
             <p:nvSpPr>
               <p:cNvPr id="284" name="Google Shape;284;p14"/>
@@ -23320,7 +23320,7 @@
             </p:txBody>
           </p:sp>
         </mc:Choice>
-        <mc:Fallback>
+        <mc:Fallback xmlns="">
           <p:sp>
             <p:nvSpPr>
               <p:cNvPr id="284" name="Google Shape;284;p14"/>

--- a/Semantic Edge Detection.pptx
+++ b/Semantic Edge Detection.pptx
@@ -18701,7 +18701,7 @@
                 <a:latin typeface="Calibri" panose="020F0502020204030204" pitchFamily="34" charset="0"/>
                 <a:cs typeface="Calibri" panose="020F0502020204030204" pitchFamily="34" charset="0"/>
               </a:rPr>
-              <a:t>[BS, 1, 450, 450]</a:t>
+              <a:t>[BS, 2, 450, 450]</a:t>
             </a:r>
           </a:p>
         </p:txBody>
@@ -23677,7 +23677,7 @@
         </p:nvSpPr>
         <p:spPr>
           <a:xfrm>
-            <a:off x="1135350" y="2480929"/>
+            <a:off x="1276800" y="3148449"/>
             <a:ext cx="2990083" cy="574159"/>
           </a:xfrm>
           <a:prstGeom prst="rect">
@@ -23727,6 +23727,66 @@
           <a:xfrm>
             <a:off x="4572000" y="1933045"/>
             <a:ext cx="3555555" cy="1904762"/>
+          </a:xfrm>
+          <a:prstGeom prst="rect">
+            <a:avLst/>
+          </a:prstGeom>
+        </p:spPr>
+      </p:pic>
+      <p:pic>
+        <p:nvPicPr>
+          <p:cNvPr id="3" name="Picture 2">
+            <a:extLst>
+              <a:ext uri="{FF2B5EF4-FFF2-40B4-BE49-F238E27FC236}">
+                <a16:creationId xmlns:a16="http://schemas.microsoft.com/office/drawing/2014/main" id="{3C7B6D0A-F48A-4621-A5A5-BB8B37D66583}"/>
+              </a:ext>
+            </a:extLst>
+          </p:cNvPr>
+          <p:cNvPicPr>
+            <a:picLocks noChangeAspect="1"/>
+          </p:cNvPicPr>
+          <p:nvPr/>
+        </p:nvPicPr>
+        <p:blipFill>
+          <a:blip r:embed="rId4"/>
+          <a:stretch>
+            <a:fillRect/>
+          </a:stretch>
+        </p:blipFill>
+        <p:spPr>
+          <a:xfrm>
+            <a:off x="1016445" y="1644502"/>
+            <a:ext cx="2545301" cy="350550"/>
+          </a:xfrm>
+          <a:prstGeom prst="rect">
+            <a:avLst/>
+          </a:prstGeom>
+        </p:spPr>
+      </p:pic>
+      <p:pic>
+        <p:nvPicPr>
+          <p:cNvPr id="7" name="Picture 6">
+            <a:extLst>
+              <a:ext uri="{FF2B5EF4-FFF2-40B4-BE49-F238E27FC236}">
+                <a16:creationId xmlns:a16="http://schemas.microsoft.com/office/drawing/2014/main" id="{6CE0F9C9-C9C5-40C4-9B52-33293DACF583}"/>
+              </a:ext>
+            </a:extLst>
+          </p:cNvPr>
+          <p:cNvPicPr>
+            <a:picLocks noChangeAspect="1"/>
+          </p:cNvPicPr>
+          <p:nvPr/>
+        </p:nvPicPr>
+        <p:blipFill>
+          <a:blip r:embed="rId5"/>
+          <a:stretch>
+            <a:fillRect/>
+          </a:stretch>
+        </p:blipFill>
+        <p:spPr>
+          <a:xfrm>
+            <a:off x="1389858" y="2385488"/>
+            <a:ext cx="2171888" cy="243861"/>
           </a:xfrm>
           <a:prstGeom prst="rect">
             <a:avLst/>

--- a/Semantic Edge Detection.pptx
+++ b/Semantic Edge Detection.pptx
@@ -17824,6 +17824,10 @@
           </p:nvPr>
         </p:nvSpPr>
         <p:spPr>
+          <a:xfrm>
+            <a:off x="823999" y="3596300"/>
+            <a:ext cx="5300353" cy="695400"/>
+          </a:xfrm>
           <a:prstGeom prst="rect">
             <a:avLst/>
           </a:prstGeom>
@@ -17845,6 +17849,9 @@
             </a:pPr>
             <a:r>
               <a:rPr lang="en-US" dirty="0" err="1">
+                <a:solidFill>
+                  <a:schemeClr val="bg1"/>
+                </a:solidFill>
                 <a:latin typeface="Calibri" panose="020F0502020204030204" pitchFamily="34" charset="0"/>
                 <a:cs typeface="Calibri" panose="020F0502020204030204" pitchFamily="34" charset="0"/>
               </a:rPr>
@@ -17852,12 +17859,38 @@
             </a:r>
             <a:r>
               <a:rPr lang="en-US" dirty="0">
+                <a:solidFill>
+                  <a:schemeClr val="bg1"/>
+                </a:solidFill>
                 <a:latin typeface="Calibri" panose="020F0502020204030204" pitchFamily="34" charset="0"/>
                 <a:cs typeface="Calibri" panose="020F0502020204030204" pitchFamily="34" charset="0"/>
               </a:rPr>
               <a:t> Khachatryan</a:t>
             </a:r>
+          </a:p>
+          <a:p>
+            <a:pPr marL="0" lvl="0" indent="0"/>
+            <a:r>
+              <a:rPr lang="en-US" dirty="0">
+                <a:solidFill>
+                  <a:schemeClr val="bg1"/>
+                </a:solidFill>
+                <a:latin typeface="Calibri" panose="020F0502020204030204" pitchFamily="34" charset="0"/>
+                <a:cs typeface="Calibri" panose="020F0502020204030204" pitchFamily="34" charset="0"/>
+                <a:hlinkClick r:id="rId3">
+                  <a:extLst>
+                    <a:ext uri="{A12FA001-AC4F-418D-AE19-62706E023703}">
+                      <ahyp:hlinkClr xmlns:ahyp="http://schemas.microsoft.com/office/drawing/2018/hyperlinkcolor" val="tx"/>
+                    </a:ext>
+                  </a:extLst>
+                </a:hlinkClick>
+              </a:rPr>
+              <a:t>https://github.com/lev1khachatryan/SemanticEdgeDetection</a:t>
+            </a:r>
             <a:endParaRPr dirty="0">
+              <a:solidFill>
+                <a:schemeClr val="bg1"/>
+              </a:solidFill>
               <a:latin typeface="Calibri" panose="020F0502020204030204" pitchFamily="34" charset="0"/>
               <a:cs typeface="Calibri" panose="020F0502020204030204" pitchFamily="34" charset="0"/>
             </a:endParaRPr>
